--- a/Projektspezifisch/Mathematikaffen.pptx
+++ b/Projektspezifisch/Mathematikaffen.pptx
@@ -299,7 +299,7 @@
           <a:p>
             <a:fld id="{BC42FD6F-9232-43D9-855C-F2BD86E61C7A}" type="datetimeFigureOut">
               <a:rPr lang="de-AT" smtClean="0"/>
-              <a:t>20.03.2018</a:t>
+              <a:t>17.04.2018</a:t>
             </a:fld>
             <a:endParaRPr lang="de-AT"/>
           </a:p>
@@ -499,7 +499,7 @@
           <a:p>
             <a:fld id="{BC42FD6F-9232-43D9-855C-F2BD86E61C7A}" type="datetimeFigureOut">
               <a:rPr lang="de-AT" smtClean="0"/>
-              <a:t>20.03.2018</a:t>
+              <a:t>17.04.2018</a:t>
             </a:fld>
             <a:endParaRPr lang="de-AT"/>
           </a:p>
@@ -709,7 +709,7 @@
           <a:p>
             <a:fld id="{BC42FD6F-9232-43D9-855C-F2BD86E61C7A}" type="datetimeFigureOut">
               <a:rPr lang="de-AT" smtClean="0"/>
-              <a:t>20.03.2018</a:t>
+              <a:t>17.04.2018</a:t>
             </a:fld>
             <a:endParaRPr lang="de-AT"/>
           </a:p>
@@ -909,7 +909,7 @@
           <a:p>
             <a:fld id="{BC42FD6F-9232-43D9-855C-F2BD86E61C7A}" type="datetimeFigureOut">
               <a:rPr lang="de-AT" smtClean="0"/>
-              <a:t>20.03.2018</a:t>
+              <a:t>17.04.2018</a:t>
             </a:fld>
             <a:endParaRPr lang="de-AT"/>
           </a:p>
@@ -1185,7 +1185,7 @@
           <a:p>
             <a:fld id="{BC42FD6F-9232-43D9-855C-F2BD86E61C7A}" type="datetimeFigureOut">
               <a:rPr lang="de-AT" smtClean="0"/>
-              <a:t>20.03.2018</a:t>
+              <a:t>17.04.2018</a:t>
             </a:fld>
             <a:endParaRPr lang="de-AT"/>
           </a:p>
@@ -1453,7 +1453,7 @@
           <a:p>
             <a:fld id="{BC42FD6F-9232-43D9-855C-F2BD86E61C7A}" type="datetimeFigureOut">
               <a:rPr lang="de-AT" smtClean="0"/>
-              <a:t>20.03.2018</a:t>
+              <a:t>17.04.2018</a:t>
             </a:fld>
             <a:endParaRPr lang="de-AT"/>
           </a:p>
@@ -1868,7 +1868,7 @@
           <a:p>
             <a:fld id="{BC42FD6F-9232-43D9-855C-F2BD86E61C7A}" type="datetimeFigureOut">
               <a:rPr lang="de-AT" smtClean="0"/>
-              <a:t>20.03.2018</a:t>
+              <a:t>17.04.2018</a:t>
             </a:fld>
             <a:endParaRPr lang="de-AT"/>
           </a:p>
@@ -2010,7 +2010,7 @@
           <a:p>
             <a:fld id="{BC42FD6F-9232-43D9-855C-F2BD86E61C7A}" type="datetimeFigureOut">
               <a:rPr lang="de-AT" smtClean="0"/>
-              <a:t>20.03.2018</a:t>
+              <a:t>17.04.2018</a:t>
             </a:fld>
             <a:endParaRPr lang="de-AT"/>
           </a:p>
@@ -2123,7 +2123,7 @@
           <a:p>
             <a:fld id="{BC42FD6F-9232-43D9-855C-F2BD86E61C7A}" type="datetimeFigureOut">
               <a:rPr lang="de-AT" smtClean="0"/>
-              <a:t>20.03.2018</a:t>
+              <a:t>17.04.2018</a:t>
             </a:fld>
             <a:endParaRPr lang="de-AT"/>
           </a:p>
@@ -2436,7 +2436,7 @@
           <a:p>
             <a:fld id="{BC42FD6F-9232-43D9-855C-F2BD86E61C7A}" type="datetimeFigureOut">
               <a:rPr lang="de-AT" smtClean="0"/>
-              <a:t>20.03.2018</a:t>
+              <a:t>17.04.2018</a:t>
             </a:fld>
             <a:endParaRPr lang="de-AT"/>
           </a:p>
@@ -2725,7 +2725,7 @@
           <a:p>
             <a:fld id="{BC42FD6F-9232-43D9-855C-F2BD86E61C7A}" type="datetimeFigureOut">
               <a:rPr lang="de-AT" smtClean="0"/>
-              <a:t>20.03.2018</a:t>
+              <a:t>17.04.2018</a:t>
             </a:fld>
             <a:endParaRPr lang="de-AT"/>
           </a:p>
@@ -2968,7 +2968,7 @@
           <a:p>
             <a:fld id="{BC42FD6F-9232-43D9-855C-F2BD86E61C7A}" type="datetimeFigureOut">
               <a:rPr lang="de-AT" smtClean="0"/>
-              <a:t>20.03.2018</a:t>
+              <a:t>17.04.2018</a:t>
             </a:fld>
             <a:endParaRPr lang="de-AT"/>
           </a:p>
@@ -5475,8 +5475,8 @@
           </p:nvSpPr>
           <p:spPr>
             <a:xfrm>
-              <a:off x="3056177" y="1911488"/>
-              <a:ext cx="1272480" cy="388106"/>
+              <a:off x="3056176" y="1911488"/>
+              <a:ext cx="1421347" cy="388106"/>
             </a:xfrm>
             <a:custGeom>
               <a:avLst/>
@@ -5614,8 +5614,25 @@
                   <a:ea typeface="+mn-ea"/>
                   <a:cs typeface="+mn-cs"/>
                 </a:rPr>
-                <a:t>Verantwortung: PL</a:t>
+                <a:t>Verantwortung: </a:t>
               </a:r>
+              <a:r>
+                <a:rPr lang="de-DE" sz="1050" dirty="0">
+                  <a:solidFill>
+                    <a:prstClr val="white"/>
+                  </a:solidFill>
+                  <a:latin typeface="Calibri" panose="020F0502020204030204"/>
+                </a:rPr>
+                <a:t>Baumann</a:t>
+              </a:r>
+              <a:endParaRPr lang="de-DE" sz="1050" kern="1200" dirty="0">
+                <a:solidFill>
+                  <a:prstClr val="white"/>
+                </a:solidFill>
+                <a:latin typeface="Calibri" panose="020F0502020204030204"/>
+                <a:ea typeface="+mn-ea"/>
+                <a:cs typeface="+mn-cs"/>
+              </a:endParaRPr>
             </a:p>
           </p:txBody>
         </p:sp>
@@ -5633,8 +5650,8 @@
           </p:nvSpPr>
           <p:spPr>
             <a:xfrm>
-              <a:off x="4583153" y="1911488"/>
-              <a:ext cx="1272480" cy="388106"/>
+              <a:off x="4583152" y="1911488"/>
+              <a:ext cx="1421347" cy="388106"/>
             </a:xfrm>
             <a:custGeom>
               <a:avLst/>
@@ -5772,7 +5789,7 @@
                   <a:ea typeface="+mn-ea"/>
                   <a:cs typeface="+mn-cs"/>
                 </a:rPr>
-                <a:t>Verantwortung: PL</a:t>
+                <a:t>Verantwortung: Baumann</a:t>
               </a:r>
             </a:p>
           </p:txBody>
@@ -5792,7 +5809,7 @@
           <p:spPr>
             <a:xfrm>
               <a:off x="6110130" y="1911488"/>
-              <a:ext cx="1272480" cy="388106"/>
+              <a:ext cx="1478120" cy="388106"/>
             </a:xfrm>
             <a:custGeom>
               <a:avLst/>
@@ -5930,8 +5947,25 @@
                   <a:ea typeface="+mn-ea"/>
                   <a:cs typeface="+mn-cs"/>
                 </a:rPr>
-                <a:t>Verantwortung: PL</a:t>
+                <a:t>Verantwortung: </a:t>
               </a:r>
+              <a:r>
+                <a:rPr lang="de-DE" sz="1050" dirty="0">
+                  <a:solidFill>
+                    <a:prstClr val="white"/>
+                  </a:solidFill>
+                  <a:latin typeface="Calibri" panose="020F0502020204030204"/>
+                </a:rPr>
+                <a:t>Baumann</a:t>
+              </a:r>
+              <a:endParaRPr lang="de-DE" sz="1050" kern="1200" dirty="0">
+                <a:solidFill>
+                  <a:prstClr val="white"/>
+                </a:solidFill>
+                <a:latin typeface="Calibri" panose="020F0502020204030204"/>
+                <a:ea typeface="+mn-ea"/>
+                <a:cs typeface="+mn-cs"/>
+              </a:endParaRPr>
             </a:p>
           </p:txBody>
         </p:sp>
@@ -6088,8 +6122,25 @@
                   <a:ea typeface="+mn-ea"/>
                   <a:cs typeface="+mn-cs"/>
                 </a:rPr>
-                <a:t>Verantwortung: PL</a:t>
+                <a:t>Verantwortung: </a:t>
               </a:r>
+              <a:r>
+                <a:rPr lang="de-DE" sz="1050" dirty="0">
+                  <a:solidFill>
+                    <a:prstClr val="white"/>
+                  </a:solidFill>
+                  <a:latin typeface="Calibri" panose="020F0502020204030204"/>
+                </a:rPr>
+                <a:t>Baumann</a:t>
+              </a:r>
+              <a:endParaRPr lang="de-DE" sz="1050" kern="1200" dirty="0">
+                <a:solidFill>
+                  <a:prstClr val="white"/>
+                </a:solidFill>
+                <a:latin typeface="Calibri" panose="020F0502020204030204"/>
+                <a:ea typeface="+mn-ea"/>
+                <a:cs typeface="+mn-cs"/>
+              </a:endParaRPr>
             </a:p>
           </p:txBody>
         </p:sp>
@@ -6107,8 +6158,8 @@
           </p:nvSpPr>
           <p:spPr>
             <a:xfrm>
-              <a:off x="9304552" y="1911488"/>
-              <a:ext cx="1272480" cy="388106"/>
+              <a:off x="9304551" y="1911488"/>
+              <a:ext cx="1443281" cy="388106"/>
             </a:xfrm>
             <a:custGeom>
               <a:avLst/>
@@ -6246,7 +6297,7 @@
                   <a:ea typeface="+mn-ea"/>
                   <a:cs typeface="+mn-cs"/>
                 </a:rPr>
-                <a:t>Verantwortung: PL</a:t>
+                <a:t>Verantwortung: Baumann</a:t>
               </a:r>
             </a:p>
           </p:txBody>
@@ -6562,27 +6613,22 @@
                 <a:t>Verantwortung: </a:t>
               </a:r>
               <a:r>
-                <a:rPr lang="de-DE" sz="1050" kern="1200" dirty="0" err="1">
+                <a:rPr lang="de-DE" sz="1050" dirty="0">
                   <a:solidFill>
                     <a:prstClr val="white"/>
                   </a:solidFill>
                   <a:latin typeface="Calibri" panose="020F0502020204030204"/>
-                  <a:ea typeface="+mn-ea"/>
-                  <a:cs typeface="+mn-cs"/>
                 </a:rPr>
-                <a:t>PTM</a:t>
+                <a:t>Kaindl</a:t>
               </a:r>
-              <a:r>
-                <a:rPr lang="de-DE" sz="1050" kern="1200" dirty="0">
-                  <a:solidFill>
-                    <a:prstClr val="white"/>
-                  </a:solidFill>
-                  <a:latin typeface="Calibri" panose="020F0502020204030204"/>
-                  <a:ea typeface="+mn-ea"/>
-                  <a:cs typeface="+mn-cs"/>
-                </a:rPr>
-                <a:t> 4</a:t>
-              </a:r>
+              <a:endParaRPr lang="de-DE" sz="1050" kern="1200" dirty="0">
+                <a:solidFill>
+                  <a:prstClr val="white"/>
+                </a:solidFill>
+                <a:latin typeface="Calibri" panose="020F0502020204030204"/>
+                <a:ea typeface="+mn-ea"/>
+                <a:cs typeface="+mn-cs"/>
+              </a:endParaRPr>
             </a:p>
           </p:txBody>
         </p:sp>
@@ -6742,27 +6788,22 @@
                 <a:t>Verantwortung:  </a:t>
               </a:r>
               <a:r>
-                <a:rPr lang="de-DE" sz="1050" kern="1200" dirty="0" err="1">
+                <a:rPr lang="de-DE" sz="1050" dirty="0">
                   <a:solidFill>
                     <a:prstClr val="white"/>
                   </a:solidFill>
                   <a:latin typeface="Calibri" panose="020F0502020204030204"/>
-                  <a:ea typeface="+mn-ea"/>
-                  <a:cs typeface="+mn-cs"/>
                 </a:rPr>
-                <a:t>PTM</a:t>
+                <a:t>Kaindl</a:t>
               </a:r>
-              <a:r>
-                <a:rPr lang="de-DE" sz="1050" kern="1200" dirty="0">
-                  <a:solidFill>
-                    <a:prstClr val="white"/>
-                  </a:solidFill>
-                  <a:latin typeface="Calibri" panose="020F0502020204030204"/>
-                  <a:ea typeface="+mn-ea"/>
-                  <a:cs typeface="+mn-cs"/>
-                </a:rPr>
-                <a:t> 3</a:t>
-              </a:r>
+              <a:endParaRPr lang="de-DE" sz="1050" kern="1200" dirty="0">
+                <a:solidFill>
+                  <a:prstClr val="white"/>
+                </a:solidFill>
+                <a:latin typeface="Calibri" panose="020F0502020204030204"/>
+                <a:ea typeface="+mn-ea"/>
+                <a:cs typeface="+mn-cs"/>
+              </a:endParaRPr>
             </a:p>
           </p:txBody>
         </p:sp>
@@ -7185,29 +7226,7 @@
                   <a:ea typeface="+mn-ea"/>
                   <a:cs typeface="+mn-cs"/>
                 </a:rPr>
-                <a:t>Verantwortung: </a:t>
-              </a:r>
-              <a:r>
-                <a:rPr lang="de-DE" sz="1050" kern="1200" dirty="0" err="1">
-                  <a:solidFill>
-                    <a:prstClr val="white"/>
-                  </a:solidFill>
-                  <a:latin typeface="Calibri" panose="020F0502020204030204"/>
-                  <a:ea typeface="+mn-ea"/>
-                  <a:cs typeface="+mn-cs"/>
-                </a:rPr>
-                <a:t>PTM</a:t>
-              </a:r>
-              <a:r>
-                <a:rPr lang="de-DE" sz="1050" kern="1200" dirty="0">
-                  <a:solidFill>
-                    <a:prstClr val="white"/>
-                  </a:solidFill>
-                  <a:latin typeface="Calibri" panose="020F0502020204030204"/>
-                  <a:ea typeface="+mn-ea"/>
-                  <a:cs typeface="+mn-cs"/>
-                </a:rPr>
-                <a:t> 2</a:t>
+                <a:t>Verantwortung: Decker</a:t>
               </a:r>
             </a:p>
           </p:txBody>
@@ -7226,8 +7245,8 @@
           </p:nvSpPr>
           <p:spPr>
             <a:xfrm>
-              <a:off x="4732021" y="3402797"/>
-              <a:ext cx="1272480" cy="388106"/>
+              <a:off x="4732020" y="3402797"/>
+              <a:ext cx="1378109" cy="388106"/>
             </a:xfrm>
             <a:custGeom>
               <a:avLst/>
@@ -7368,27 +7387,22 @@
                 <a:t>Verantwortung: </a:t>
               </a:r>
               <a:r>
-                <a:rPr lang="de-DE" sz="1050" kern="1200" dirty="0" err="1">
+                <a:rPr lang="de-DE" sz="1050" dirty="0">
                   <a:solidFill>
                     <a:prstClr val="white"/>
                   </a:solidFill>
                   <a:latin typeface="Calibri" panose="020F0502020204030204"/>
-                  <a:ea typeface="+mn-ea"/>
-                  <a:cs typeface="+mn-cs"/>
                 </a:rPr>
-                <a:t>PTM</a:t>
+                <a:t>Decker</a:t>
               </a:r>
-              <a:r>
-                <a:rPr lang="de-DE" sz="1050" kern="1200" dirty="0">
-                  <a:solidFill>
-                    <a:prstClr val="white"/>
-                  </a:solidFill>
-                  <a:latin typeface="Calibri" panose="020F0502020204030204"/>
-                  <a:ea typeface="+mn-ea"/>
-                  <a:cs typeface="+mn-cs"/>
-                </a:rPr>
-                <a:t> 3</a:t>
-              </a:r>
+              <a:endParaRPr lang="de-DE" sz="1050" kern="1200" dirty="0">
+                <a:solidFill>
+                  <a:prstClr val="white"/>
+                </a:solidFill>
+                <a:latin typeface="Calibri" panose="020F0502020204030204"/>
+                <a:ea typeface="+mn-ea"/>
+                <a:cs typeface="+mn-cs"/>
+              </a:endParaRPr>
             </a:p>
           </p:txBody>
         </p:sp>
@@ -7980,19 +7994,16 @@
                   <a:ea typeface="+mn-ea"/>
                   <a:cs typeface="+mn-cs"/>
                 </a:rPr>
-                <a:t>PTM</a:t>
+                <a:t>Agac</a:t>
               </a:r>
-              <a:r>
-                <a:rPr lang="de-DE" sz="1050" kern="1200" dirty="0">
-                  <a:solidFill>
-                    <a:prstClr val="white"/>
-                  </a:solidFill>
-                  <a:latin typeface="Calibri" panose="020F0502020204030204"/>
-                  <a:ea typeface="+mn-ea"/>
-                  <a:cs typeface="+mn-cs"/>
-                </a:rPr>
-                <a:t> 1</a:t>
-              </a:r>
+              <a:endParaRPr lang="de-DE" sz="1050" kern="1200" dirty="0">
+                <a:solidFill>
+                  <a:prstClr val="white"/>
+                </a:solidFill>
+                <a:latin typeface="Calibri" panose="020F0502020204030204"/>
+                <a:ea typeface="+mn-ea"/>
+                <a:cs typeface="+mn-cs"/>
+              </a:endParaRPr>
             </a:p>
           </p:txBody>
         </p:sp>
@@ -8282,29 +8293,7 @@
                   <a:ea typeface="+mn-ea"/>
                   <a:cs typeface="+mn-cs"/>
                 </a:rPr>
-                <a:t>Verantwortung: </a:t>
-              </a:r>
-              <a:r>
-                <a:rPr lang="de-DE" sz="1050" kern="1200" dirty="0" err="1">
-                  <a:solidFill>
-                    <a:prstClr val="white"/>
-                  </a:solidFill>
-                  <a:latin typeface="Calibri" panose="020F0502020204030204"/>
-                  <a:ea typeface="+mn-ea"/>
-                  <a:cs typeface="+mn-cs"/>
-                </a:rPr>
-                <a:t>PTM</a:t>
-              </a:r>
-              <a:r>
-                <a:rPr lang="de-DE" sz="1050" kern="1200" dirty="0">
-                  <a:solidFill>
-                    <a:prstClr val="white"/>
-                  </a:solidFill>
-                  <a:latin typeface="Calibri" panose="020F0502020204030204"/>
-                  <a:ea typeface="+mn-ea"/>
-                  <a:cs typeface="+mn-cs"/>
-                </a:rPr>
-                <a:t> 4</a:t>
+                <a:t>Verantwortung: Eberl</a:t>
               </a:r>
             </a:p>
           </p:txBody>
@@ -8462,7 +8451,7 @@
                   <a:ea typeface="+mn-ea"/>
                   <a:cs typeface="+mn-cs"/>
                 </a:rPr>
-                <a:t>Verantwortung: PL</a:t>
+                <a:t>Verantwortung: Kaindl</a:t>
               </a:r>
             </a:p>
           </p:txBody>
@@ -8623,27 +8612,22 @@
                 <a:t>Verantwortung: </a:t>
               </a:r>
               <a:r>
-                <a:rPr lang="de-DE" sz="1050" kern="1200" dirty="0" err="1">
+                <a:rPr lang="de-DE" sz="1050" dirty="0">
                   <a:solidFill>
                     <a:prstClr val="white"/>
                   </a:solidFill>
                   <a:latin typeface="Calibri" panose="020F0502020204030204"/>
-                  <a:ea typeface="+mn-ea"/>
-                  <a:cs typeface="+mn-cs"/>
                 </a:rPr>
-                <a:t>PTM</a:t>
+                <a:t>Decker</a:t>
               </a:r>
-              <a:r>
-                <a:rPr lang="de-DE" sz="1050" kern="1200" dirty="0">
-                  <a:solidFill>
-                    <a:prstClr val="white"/>
-                  </a:solidFill>
-                  <a:latin typeface="Calibri" panose="020F0502020204030204"/>
-                  <a:ea typeface="+mn-ea"/>
-                  <a:cs typeface="+mn-cs"/>
-                </a:rPr>
-                <a:t> 1</a:t>
-              </a:r>
+              <a:endParaRPr lang="de-DE" sz="1050" kern="1200" dirty="0">
+                <a:solidFill>
+                  <a:prstClr val="white"/>
+                </a:solidFill>
+                <a:latin typeface="Calibri" panose="020F0502020204030204"/>
+                <a:ea typeface="+mn-ea"/>
+                <a:cs typeface="+mn-cs"/>
+              </a:endParaRPr>
             </a:p>
           </p:txBody>
         </p:sp>
@@ -8952,8 +8936,25 @@
                   <a:ea typeface="+mn-ea"/>
                   <a:cs typeface="+mn-cs"/>
                 </a:rPr>
-                <a:t>Verantwortung: PL</a:t>
+                <a:t>Verantwortung: </a:t>
               </a:r>
+              <a:r>
+                <a:rPr lang="de-DE" sz="1050" dirty="0">
+                  <a:solidFill>
+                    <a:prstClr val="white"/>
+                  </a:solidFill>
+                  <a:latin typeface="Calibri" panose="020F0502020204030204"/>
+                </a:rPr>
+                <a:t>Eberl</a:t>
+              </a:r>
+              <a:endParaRPr lang="de-DE" sz="1050" kern="1200" dirty="0">
+                <a:solidFill>
+                  <a:prstClr val="white"/>
+                </a:solidFill>
+                <a:latin typeface="Calibri" panose="020F0502020204030204"/>
+                <a:ea typeface="+mn-ea"/>
+                <a:cs typeface="+mn-cs"/>
+              </a:endParaRPr>
             </a:p>
           </p:txBody>
         </p:sp>
@@ -8972,7 +8973,7 @@
           <p:spPr>
             <a:xfrm>
               <a:off x="4583153" y="4655787"/>
-              <a:ext cx="1272480" cy="388106"/>
+              <a:ext cx="1498718" cy="388106"/>
             </a:xfrm>
             <a:custGeom>
               <a:avLst/>
@@ -9110,29 +9111,7 @@
                   <a:ea typeface="+mn-ea"/>
                   <a:cs typeface="+mn-cs"/>
                 </a:rPr>
-                <a:t>Verantwortung: </a:t>
-              </a:r>
-              <a:r>
-                <a:rPr lang="de-DE" sz="1050" kern="1200" dirty="0" err="1">
-                  <a:solidFill>
-                    <a:prstClr val="white"/>
-                  </a:solidFill>
-                  <a:latin typeface="Calibri" panose="020F0502020204030204"/>
-                  <a:ea typeface="+mn-ea"/>
-                  <a:cs typeface="+mn-cs"/>
-                </a:rPr>
-                <a:t>PTM</a:t>
-              </a:r>
-              <a:r>
-                <a:rPr lang="de-DE" sz="1050" kern="1200" dirty="0">
-                  <a:solidFill>
-                    <a:prstClr val="white"/>
-                  </a:solidFill>
-                  <a:latin typeface="Calibri" panose="020F0502020204030204"/>
-                  <a:ea typeface="+mn-ea"/>
-                  <a:cs typeface="+mn-cs"/>
-                </a:rPr>
-                <a:t> 2</a:t>
+                <a:t>Verantwortung: Baumann</a:t>
               </a:r>
             </a:p>
           </p:txBody>
@@ -9151,7 +9130,7 @@
           </p:nvSpPr>
           <p:spPr>
             <a:xfrm>
-              <a:off x="6110130" y="4651182"/>
+              <a:off x="6453030" y="4651182"/>
               <a:ext cx="1518310" cy="397316"/>
             </a:xfrm>
             <a:custGeom>
@@ -9290,7 +9269,7 @@
                   <a:ea typeface="+mn-ea"/>
                   <a:cs typeface="+mn-cs"/>
                 </a:rPr>
-                <a:t>Verantwortung: PTM 4</a:t>
+                <a:t>Verantwortung: Eberl</a:t>
               </a:r>
             </a:p>
           </p:txBody>
